--- a/ppt 16-9/1428.凡靠着祂进到.pptx
+++ b/ppt 16-9/1428.凡靠着祂进到.pptx
@@ -129,7 +129,7 @@
           <p:cNvPr id="2" name="标题 1">
             <a:extLst>
               <a:ext uri="{FF2B5EF4-FFF2-40B4-BE49-F238E27FC236}">
-                <a16:creationId xmlns:a16="http://schemas.microsoft.com/office/drawing/2014/main" id="{8C20B81F-2855-B6B2-60F5-3ECF752E7468}"/>
+                <a16:creationId xmlns:a16="http://schemas.microsoft.com/office/drawing/2014/main" id="{984365EF-33B1-5041-C896-217AE43031CA}"/>
               </a:ext>
             </a:extLst>
           </p:cNvPr>
@@ -166,7 +166,7 @@
           <p:cNvPr id="3" name="副标题 2">
             <a:extLst>
               <a:ext uri="{FF2B5EF4-FFF2-40B4-BE49-F238E27FC236}">
-                <a16:creationId xmlns:a16="http://schemas.microsoft.com/office/drawing/2014/main" id="{9DBCA240-3E2D-1202-BDE9-0D80CE2EB59E}"/>
+                <a16:creationId xmlns:a16="http://schemas.microsoft.com/office/drawing/2014/main" id="{265053E0-604B-6ECA-7D18-1244B232E074}"/>
               </a:ext>
             </a:extLst>
           </p:cNvPr>
@@ -236,7 +236,7 @@
           <p:cNvPr id="4" name="日期占位符 3">
             <a:extLst>
               <a:ext uri="{FF2B5EF4-FFF2-40B4-BE49-F238E27FC236}">
-                <a16:creationId xmlns:a16="http://schemas.microsoft.com/office/drawing/2014/main" id="{0FE5F660-350C-C260-CF48-7E13BCC29413}"/>
+                <a16:creationId xmlns:a16="http://schemas.microsoft.com/office/drawing/2014/main" id="{350B42B4-A37D-F2B1-D809-8423CE5A91E2}"/>
               </a:ext>
             </a:extLst>
           </p:cNvPr>
@@ -252,7 +252,7 @@
           <a:bodyPr/>
           <a:lstStyle/>
           <a:p>
-            <a:fld id="{F40AE34B-E9DF-409F-8607-26FAE7E26A7D}" type="datetimeFigureOut">
+            <a:fld id="{17746BA5-C1A5-4994-A737-8123780BFE4B}" type="datetimeFigureOut">
               <a:rPr lang="zh-CN" altLang="en-US" smtClean="0"/>
               <a:t>2024/3/10</a:t>
             </a:fld>
@@ -265,7 +265,7 @@
           <p:cNvPr id="5" name="页脚占位符 4">
             <a:extLst>
               <a:ext uri="{FF2B5EF4-FFF2-40B4-BE49-F238E27FC236}">
-                <a16:creationId xmlns:a16="http://schemas.microsoft.com/office/drawing/2014/main" id="{06456FD5-1C2F-68AD-D94F-BB451F9FF7A8}"/>
+                <a16:creationId xmlns:a16="http://schemas.microsoft.com/office/drawing/2014/main" id="{DC947DEA-F200-965C-CF66-2FB310E4C5C1}"/>
               </a:ext>
             </a:extLst>
           </p:cNvPr>
@@ -290,7 +290,7 @@
           <p:cNvPr id="6" name="灯片编号占位符 5">
             <a:extLst>
               <a:ext uri="{FF2B5EF4-FFF2-40B4-BE49-F238E27FC236}">
-                <a16:creationId xmlns:a16="http://schemas.microsoft.com/office/drawing/2014/main" id="{5C0248E5-259B-123D-028B-4B8A08B25D13}"/>
+                <a16:creationId xmlns:a16="http://schemas.microsoft.com/office/drawing/2014/main" id="{B1E6311F-FB6D-D6D4-9589-BD49521D49F0}"/>
               </a:ext>
             </a:extLst>
           </p:cNvPr>
@@ -306,7 +306,7 @@
           <a:bodyPr/>
           <a:lstStyle/>
           <a:p>
-            <a:fld id="{263C6929-5FC8-4E07-BDB6-AF084FBCCB10}" type="slidenum">
+            <a:fld id="{964E040D-A0FD-44D6-9E41-3765BD2F74EA}" type="slidenum">
               <a:rPr lang="zh-CN" altLang="en-US" smtClean="0"/>
               <a:t>‹#›</a:t>
             </a:fld>
@@ -317,7 +317,7 @@
     </p:spTree>
     <p:extLst>
       <p:ext uri="{BB962C8B-B14F-4D97-AF65-F5344CB8AC3E}">
-        <p14:creationId xmlns:p14="http://schemas.microsoft.com/office/powerpoint/2010/main" val="4085185021"/>
+        <p14:creationId xmlns:p14="http://schemas.microsoft.com/office/powerpoint/2010/main" val="3730599982"/>
       </p:ext>
     </p:extLst>
   </p:cSld>
@@ -349,7 +349,7 @@
           <p:cNvPr id="2" name="标题 1">
             <a:extLst>
               <a:ext uri="{FF2B5EF4-FFF2-40B4-BE49-F238E27FC236}">
-                <a16:creationId xmlns:a16="http://schemas.microsoft.com/office/drawing/2014/main" id="{2A5D91C4-B272-2C06-EF0D-EB569FA95106}"/>
+                <a16:creationId xmlns:a16="http://schemas.microsoft.com/office/drawing/2014/main" id="{28068BFD-E4E2-6DF1-C2D0-6D4859F73F8E}"/>
               </a:ext>
             </a:extLst>
           </p:cNvPr>
@@ -377,7 +377,7 @@
           <p:cNvPr id="3" name="竖排文字占位符 2">
             <a:extLst>
               <a:ext uri="{FF2B5EF4-FFF2-40B4-BE49-F238E27FC236}">
-                <a16:creationId xmlns:a16="http://schemas.microsoft.com/office/drawing/2014/main" id="{28E88163-D667-46A5-4D14-CA869F576BE6}"/>
+                <a16:creationId xmlns:a16="http://schemas.microsoft.com/office/drawing/2014/main" id="{8630DFB1-190A-EAD8-77AD-047E5FD6F5FA}"/>
               </a:ext>
             </a:extLst>
           </p:cNvPr>
@@ -434,7 +434,7 @@
           <p:cNvPr id="4" name="日期占位符 3">
             <a:extLst>
               <a:ext uri="{FF2B5EF4-FFF2-40B4-BE49-F238E27FC236}">
-                <a16:creationId xmlns:a16="http://schemas.microsoft.com/office/drawing/2014/main" id="{886A5831-16CF-45DB-0A8D-9A3BD92B5665}"/>
+                <a16:creationId xmlns:a16="http://schemas.microsoft.com/office/drawing/2014/main" id="{9DBA8796-5C1F-AB90-E4E5-9C7BA8F74D44}"/>
               </a:ext>
             </a:extLst>
           </p:cNvPr>
@@ -450,7 +450,7 @@
           <a:bodyPr/>
           <a:lstStyle/>
           <a:p>
-            <a:fld id="{F40AE34B-E9DF-409F-8607-26FAE7E26A7D}" type="datetimeFigureOut">
+            <a:fld id="{17746BA5-C1A5-4994-A737-8123780BFE4B}" type="datetimeFigureOut">
               <a:rPr lang="zh-CN" altLang="en-US" smtClean="0"/>
               <a:t>2024/3/10</a:t>
             </a:fld>
@@ -463,7 +463,7 @@
           <p:cNvPr id="5" name="页脚占位符 4">
             <a:extLst>
               <a:ext uri="{FF2B5EF4-FFF2-40B4-BE49-F238E27FC236}">
-                <a16:creationId xmlns:a16="http://schemas.microsoft.com/office/drawing/2014/main" id="{1FD1A4EB-99BB-8AB6-6156-0C20CDA08640}"/>
+                <a16:creationId xmlns:a16="http://schemas.microsoft.com/office/drawing/2014/main" id="{1AACDE72-8519-06E4-E8A3-7E1628B45D02}"/>
               </a:ext>
             </a:extLst>
           </p:cNvPr>
@@ -488,7 +488,7 @@
           <p:cNvPr id="6" name="灯片编号占位符 5">
             <a:extLst>
               <a:ext uri="{FF2B5EF4-FFF2-40B4-BE49-F238E27FC236}">
-                <a16:creationId xmlns:a16="http://schemas.microsoft.com/office/drawing/2014/main" id="{E403DB1F-1BC5-1004-A4D3-D23D30B3CD75}"/>
+                <a16:creationId xmlns:a16="http://schemas.microsoft.com/office/drawing/2014/main" id="{822C0CC9-D74D-09BF-129A-004CA9A1987B}"/>
               </a:ext>
             </a:extLst>
           </p:cNvPr>
@@ -504,7 +504,7 @@
           <a:bodyPr/>
           <a:lstStyle/>
           <a:p>
-            <a:fld id="{263C6929-5FC8-4E07-BDB6-AF084FBCCB10}" type="slidenum">
+            <a:fld id="{964E040D-A0FD-44D6-9E41-3765BD2F74EA}" type="slidenum">
               <a:rPr lang="zh-CN" altLang="en-US" smtClean="0"/>
               <a:t>‹#›</a:t>
             </a:fld>
@@ -515,7 +515,7 @@
     </p:spTree>
     <p:extLst>
       <p:ext uri="{BB962C8B-B14F-4D97-AF65-F5344CB8AC3E}">
-        <p14:creationId xmlns:p14="http://schemas.microsoft.com/office/powerpoint/2010/main" val="1427892652"/>
+        <p14:creationId xmlns:p14="http://schemas.microsoft.com/office/powerpoint/2010/main" val="3163450768"/>
       </p:ext>
     </p:extLst>
   </p:cSld>
@@ -547,7 +547,7 @@
           <p:cNvPr id="2" name="竖排标题 1">
             <a:extLst>
               <a:ext uri="{FF2B5EF4-FFF2-40B4-BE49-F238E27FC236}">
-                <a16:creationId xmlns:a16="http://schemas.microsoft.com/office/drawing/2014/main" id="{CC3D0FF6-F3CA-C1FD-8AB4-C01312F0DAF6}"/>
+                <a16:creationId xmlns:a16="http://schemas.microsoft.com/office/drawing/2014/main" id="{86EE7D03-AFCD-95C7-FDAF-E3A69AD72BC6}"/>
               </a:ext>
             </a:extLst>
           </p:cNvPr>
@@ -580,7 +580,7 @@
           <p:cNvPr id="3" name="竖排文字占位符 2">
             <a:extLst>
               <a:ext uri="{FF2B5EF4-FFF2-40B4-BE49-F238E27FC236}">
-                <a16:creationId xmlns:a16="http://schemas.microsoft.com/office/drawing/2014/main" id="{8387540B-90E8-3525-80EB-1A3CB58CE496}"/>
+                <a16:creationId xmlns:a16="http://schemas.microsoft.com/office/drawing/2014/main" id="{EEA9AD2D-0E23-AC01-CCCB-5688463D40F9}"/>
               </a:ext>
             </a:extLst>
           </p:cNvPr>
@@ -642,7 +642,7 @@
           <p:cNvPr id="4" name="日期占位符 3">
             <a:extLst>
               <a:ext uri="{FF2B5EF4-FFF2-40B4-BE49-F238E27FC236}">
-                <a16:creationId xmlns:a16="http://schemas.microsoft.com/office/drawing/2014/main" id="{14CE9EBD-3C6B-2A8B-E5FB-BC0911499332}"/>
+                <a16:creationId xmlns:a16="http://schemas.microsoft.com/office/drawing/2014/main" id="{A75D358F-3606-7F41-6BB8-B300F6F335E3}"/>
               </a:ext>
             </a:extLst>
           </p:cNvPr>
@@ -658,7 +658,7 @@
           <a:bodyPr/>
           <a:lstStyle/>
           <a:p>
-            <a:fld id="{F40AE34B-E9DF-409F-8607-26FAE7E26A7D}" type="datetimeFigureOut">
+            <a:fld id="{17746BA5-C1A5-4994-A737-8123780BFE4B}" type="datetimeFigureOut">
               <a:rPr lang="zh-CN" altLang="en-US" smtClean="0"/>
               <a:t>2024/3/10</a:t>
             </a:fld>
@@ -671,7 +671,7 @@
           <p:cNvPr id="5" name="页脚占位符 4">
             <a:extLst>
               <a:ext uri="{FF2B5EF4-FFF2-40B4-BE49-F238E27FC236}">
-                <a16:creationId xmlns:a16="http://schemas.microsoft.com/office/drawing/2014/main" id="{1C8EA5BF-6238-7CB9-615C-958B32C76AA9}"/>
+                <a16:creationId xmlns:a16="http://schemas.microsoft.com/office/drawing/2014/main" id="{79CB22D6-39D1-967F-2896-100E7C8B3FF8}"/>
               </a:ext>
             </a:extLst>
           </p:cNvPr>
@@ -696,7 +696,7 @@
           <p:cNvPr id="6" name="灯片编号占位符 5">
             <a:extLst>
               <a:ext uri="{FF2B5EF4-FFF2-40B4-BE49-F238E27FC236}">
-                <a16:creationId xmlns:a16="http://schemas.microsoft.com/office/drawing/2014/main" id="{B144688A-FDF8-DB87-5AAB-CE9ADF12B122}"/>
+                <a16:creationId xmlns:a16="http://schemas.microsoft.com/office/drawing/2014/main" id="{019336C4-FDD5-6720-8A50-CBF384E5DF0B}"/>
               </a:ext>
             </a:extLst>
           </p:cNvPr>
@@ -712,7 +712,7 @@
           <a:bodyPr/>
           <a:lstStyle/>
           <a:p>
-            <a:fld id="{263C6929-5FC8-4E07-BDB6-AF084FBCCB10}" type="slidenum">
+            <a:fld id="{964E040D-A0FD-44D6-9E41-3765BD2F74EA}" type="slidenum">
               <a:rPr lang="zh-CN" altLang="en-US" smtClean="0"/>
               <a:t>‹#›</a:t>
             </a:fld>
@@ -723,7 +723,7 @@
     </p:spTree>
     <p:extLst>
       <p:ext uri="{BB962C8B-B14F-4D97-AF65-F5344CB8AC3E}">
-        <p14:creationId xmlns:p14="http://schemas.microsoft.com/office/powerpoint/2010/main" val="2622245656"/>
+        <p14:creationId xmlns:p14="http://schemas.microsoft.com/office/powerpoint/2010/main" val="392223066"/>
       </p:ext>
     </p:extLst>
   </p:cSld>
@@ -755,7 +755,7 @@
           <p:cNvPr id="2" name="标题 1">
             <a:extLst>
               <a:ext uri="{FF2B5EF4-FFF2-40B4-BE49-F238E27FC236}">
-                <a16:creationId xmlns:a16="http://schemas.microsoft.com/office/drawing/2014/main" id="{179ADE3B-C698-E980-DC75-91CB39682C7C}"/>
+                <a16:creationId xmlns:a16="http://schemas.microsoft.com/office/drawing/2014/main" id="{D63CADDE-8DAE-A7E1-274A-1FD77EBDAD95}"/>
               </a:ext>
             </a:extLst>
           </p:cNvPr>
@@ -783,7 +783,7 @@
           <p:cNvPr id="3" name="内容占位符 2">
             <a:extLst>
               <a:ext uri="{FF2B5EF4-FFF2-40B4-BE49-F238E27FC236}">
-                <a16:creationId xmlns:a16="http://schemas.microsoft.com/office/drawing/2014/main" id="{5F515974-D923-C4AB-B114-2EB5E369120E}"/>
+                <a16:creationId xmlns:a16="http://schemas.microsoft.com/office/drawing/2014/main" id="{BB19E4D8-7BBC-9208-4169-D86A28739378}"/>
               </a:ext>
             </a:extLst>
           </p:cNvPr>
@@ -840,7 +840,7 @@
           <p:cNvPr id="4" name="日期占位符 3">
             <a:extLst>
               <a:ext uri="{FF2B5EF4-FFF2-40B4-BE49-F238E27FC236}">
-                <a16:creationId xmlns:a16="http://schemas.microsoft.com/office/drawing/2014/main" id="{3483B838-7FBC-9D06-D1EC-C5093D4FB90C}"/>
+                <a16:creationId xmlns:a16="http://schemas.microsoft.com/office/drawing/2014/main" id="{214B3992-836E-37CA-304D-CC1ED25BA7A2}"/>
               </a:ext>
             </a:extLst>
           </p:cNvPr>
@@ -856,7 +856,7 @@
           <a:bodyPr/>
           <a:lstStyle/>
           <a:p>
-            <a:fld id="{F40AE34B-E9DF-409F-8607-26FAE7E26A7D}" type="datetimeFigureOut">
+            <a:fld id="{17746BA5-C1A5-4994-A737-8123780BFE4B}" type="datetimeFigureOut">
               <a:rPr lang="zh-CN" altLang="en-US" smtClean="0"/>
               <a:t>2024/3/10</a:t>
             </a:fld>
@@ -869,7 +869,7 @@
           <p:cNvPr id="5" name="页脚占位符 4">
             <a:extLst>
               <a:ext uri="{FF2B5EF4-FFF2-40B4-BE49-F238E27FC236}">
-                <a16:creationId xmlns:a16="http://schemas.microsoft.com/office/drawing/2014/main" id="{975C9415-8515-38E0-F864-5BF8DB4BE8B0}"/>
+                <a16:creationId xmlns:a16="http://schemas.microsoft.com/office/drawing/2014/main" id="{035C5388-9294-174B-467D-216BD0C830F0}"/>
               </a:ext>
             </a:extLst>
           </p:cNvPr>
@@ -894,7 +894,7 @@
           <p:cNvPr id="6" name="灯片编号占位符 5">
             <a:extLst>
               <a:ext uri="{FF2B5EF4-FFF2-40B4-BE49-F238E27FC236}">
-                <a16:creationId xmlns:a16="http://schemas.microsoft.com/office/drawing/2014/main" id="{24755B24-29FD-A555-8AAF-164399508D4A}"/>
+                <a16:creationId xmlns:a16="http://schemas.microsoft.com/office/drawing/2014/main" id="{7362540F-4F58-C7BA-A58A-C306BAC803A7}"/>
               </a:ext>
             </a:extLst>
           </p:cNvPr>
@@ -910,7 +910,7 @@
           <a:bodyPr/>
           <a:lstStyle/>
           <a:p>
-            <a:fld id="{263C6929-5FC8-4E07-BDB6-AF084FBCCB10}" type="slidenum">
+            <a:fld id="{964E040D-A0FD-44D6-9E41-3765BD2F74EA}" type="slidenum">
               <a:rPr lang="zh-CN" altLang="en-US" smtClean="0"/>
               <a:t>‹#›</a:t>
             </a:fld>
@@ -921,7 +921,7 @@
     </p:spTree>
     <p:extLst>
       <p:ext uri="{BB962C8B-B14F-4D97-AF65-F5344CB8AC3E}">
-        <p14:creationId xmlns:p14="http://schemas.microsoft.com/office/powerpoint/2010/main" val="1675152912"/>
+        <p14:creationId xmlns:p14="http://schemas.microsoft.com/office/powerpoint/2010/main" val="2911143712"/>
       </p:ext>
     </p:extLst>
   </p:cSld>
@@ -953,7 +953,7 @@
           <p:cNvPr id="2" name="标题 1">
             <a:extLst>
               <a:ext uri="{FF2B5EF4-FFF2-40B4-BE49-F238E27FC236}">
-                <a16:creationId xmlns:a16="http://schemas.microsoft.com/office/drawing/2014/main" id="{70F9A0D5-CB1E-C9A9-0A8B-3C6975AB8A5B}"/>
+                <a16:creationId xmlns:a16="http://schemas.microsoft.com/office/drawing/2014/main" id="{11535C0F-D0AA-2340-8BED-5D6AE9744C43}"/>
               </a:ext>
             </a:extLst>
           </p:cNvPr>
@@ -990,7 +990,7 @@
           <p:cNvPr id="3" name="文本占位符 2">
             <a:extLst>
               <a:ext uri="{FF2B5EF4-FFF2-40B4-BE49-F238E27FC236}">
-                <a16:creationId xmlns:a16="http://schemas.microsoft.com/office/drawing/2014/main" id="{974716D3-024D-2385-88CF-42E467EA8FD2}"/>
+                <a16:creationId xmlns:a16="http://schemas.microsoft.com/office/drawing/2014/main" id="{0C3A9A8F-4BF0-E278-BCBB-85D195BA5538}"/>
               </a:ext>
             </a:extLst>
           </p:cNvPr>
@@ -1115,7 +1115,7 @@
           <p:cNvPr id="4" name="日期占位符 3">
             <a:extLst>
               <a:ext uri="{FF2B5EF4-FFF2-40B4-BE49-F238E27FC236}">
-                <a16:creationId xmlns:a16="http://schemas.microsoft.com/office/drawing/2014/main" id="{50DE8984-CBCF-A531-AEC8-94323168796D}"/>
+                <a16:creationId xmlns:a16="http://schemas.microsoft.com/office/drawing/2014/main" id="{75269347-A4CA-97A3-0A98-D01D3D2F8387}"/>
               </a:ext>
             </a:extLst>
           </p:cNvPr>
@@ -1131,7 +1131,7 @@
           <a:bodyPr/>
           <a:lstStyle/>
           <a:p>
-            <a:fld id="{F40AE34B-E9DF-409F-8607-26FAE7E26A7D}" type="datetimeFigureOut">
+            <a:fld id="{17746BA5-C1A5-4994-A737-8123780BFE4B}" type="datetimeFigureOut">
               <a:rPr lang="zh-CN" altLang="en-US" smtClean="0"/>
               <a:t>2024/3/10</a:t>
             </a:fld>
@@ -1144,7 +1144,7 @@
           <p:cNvPr id="5" name="页脚占位符 4">
             <a:extLst>
               <a:ext uri="{FF2B5EF4-FFF2-40B4-BE49-F238E27FC236}">
-                <a16:creationId xmlns:a16="http://schemas.microsoft.com/office/drawing/2014/main" id="{04F5622B-1A6F-FB2C-9928-710B957516DD}"/>
+                <a16:creationId xmlns:a16="http://schemas.microsoft.com/office/drawing/2014/main" id="{D2F2DC52-181E-2405-EAE0-ECAA15A6D502}"/>
               </a:ext>
             </a:extLst>
           </p:cNvPr>
@@ -1169,7 +1169,7 @@
           <p:cNvPr id="6" name="灯片编号占位符 5">
             <a:extLst>
               <a:ext uri="{FF2B5EF4-FFF2-40B4-BE49-F238E27FC236}">
-                <a16:creationId xmlns:a16="http://schemas.microsoft.com/office/drawing/2014/main" id="{48D188A7-C97D-A2C3-2159-10E6B0D35348}"/>
+                <a16:creationId xmlns:a16="http://schemas.microsoft.com/office/drawing/2014/main" id="{B2F7DAF1-4223-955E-2602-CD64406E7D58}"/>
               </a:ext>
             </a:extLst>
           </p:cNvPr>
@@ -1185,7 +1185,7 @@
           <a:bodyPr/>
           <a:lstStyle/>
           <a:p>
-            <a:fld id="{263C6929-5FC8-4E07-BDB6-AF084FBCCB10}" type="slidenum">
+            <a:fld id="{964E040D-A0FD-44D6-9E41-3765BD2F74EA}" type="slidenum">
               <a:rPr lang="zh-CN" altLang="en-US" smtClean="0"/>
               <a:t>‹#›</a:t>
             </a:fld>
@@ -1196,7 +1196,7 @@
     </p:spTree>
     <p:extLst>
       <p:ext uri="{BB962C8B-B14F-4D97-AF65-F5344CB8AC3E}">
-        <p14:creationId xmlns:p14="http://schemas.microsoft.com/office/powerpoint/2010/main" val="1505774860"/>
+        <p14:creationId xmlns:p14="http://schemas.microsoft.com/office/powerpoint/2010/main" val="966878424"/>
       </p:ext>
     </p:extLst>
   </p:cSld>
@@ -1228,7 +1228,7 @@
           <p:cNvPr id="2" name="标题 1">
             <a:extLst>
               <a:ext uri="{FF2B5EF4-FFF2-40B4-BE49-F238E27FC236}">
-                <a16:creationId xmlns:a16="http://schemas.microsoft.com/office/drawing/2014/main" id="{40A96DBE-0C24-BEA8-2C59-DE070D569E41}"/>
+                <a16:creationId xmlns:a16="http://schemas.microsoft.com/office/drawing/2014/main" id="{3A9EB42F-4873-3382-AC02-C79A03E1C3D0}"/>
               </a:ext>
             </a:extLst>
           </p:cNvPr>
@@ -1256,7 +1256,7 @@
           <p:cNvPr id="3" name="内容占位符 2">
             <a:extLst>
               <a:ext uri="{FF2B5EF4-FFF2-40B4-BE49-F238E27FC236}">
-                <a16:creationId xmlns:a16="http://schemas.microsoft.com/office/drawing/2014/main" id="{040E9008-6944-2260-1485-0069292893E8}"/>
+                <a16:creationId xmlns:a16="http://schemas.microsoft.com/office/drawing/2014/main" id="{64FC2A8C-32D0-B04B-3EEC-AC4290A3B437}"/>
               </a:ext>
             </a:extLst>
           </p:cNvPr>
@@ -1318,7 +1318,7 @@
           <p:cNvPr id="4" name="内容占位符 3">
             <a:extLst>
               <a:ext uri="{FF2B5EF4-FFF2-40B4-BE49-F238E27FC236}">
-                <a16:creationId xmlns:a16="http://schemas.microsoft.com/office/drawing/2014/main" id="{8575C012-3D7D-1317-A4CA-13956ACF2C13}"/>
+                <a16:creationId xmlns:a16="http://schemas.microsoft.com/office/drawing/2014/main" id="{CCD8AB6D-C6D3-6619-F042-2C93035DCAEA}"/>
               </a:ext>
             </a:extLst>
           </p:cNvPr>
@@ -1380,7 +1380,7 @@
           <p:cNvPr id="5" name="日期占位符 4">
             <a:extLst>
               <a:ext uri="{FF2B5EF4-FFF2-40B4-BE49-F238E27FC236}">
-                <a16:creationId xmlns:a16="http://schemas.microsoft.com/office/drawing/2014/main" id="{6DB38E75-48A1-6DCF-3960-135D4710038A}"/>
+                <a16:creationId xmlns:a16="http://schemas.microsoft.com/office/drawing/2014/main" id="{EA15B913-A8C7-4262-6C4B-00734F375BD9}"/>
               </a:ext>
             </a:extLst>
           </p:cNvPr>
@@ -1396,7 +1396,7 @@
           <a:bodyPr/>
           <a:lstStyle/>
           <a:p>
-            <a:fld id="{F40AE34B-E9DF-409F-8607-26FAE7E26A7D}" type="datetimeFigureOut">
+            <a:fld id="{17746BA5-C1A5-4994-A737-8123780BFE4B}" type="datetimeFigureOut">
               <a:rPr lang="zh-CN" altLang="en-US" smtClean="0"/>
               <a:t>2024/3/10</a:t>
             </a:fld>
@@ -1409,7 +1409,7 @@
           <p:cNvPr id="6" name="页脚占位符 5">
             <a:extLst>
               <a:ext uri="{FF2B5EF4-FFF2-40B4-BE49-F238E27FC236}">
-                <a16:creationId xmlns:a16="http://schemas.microsoft.com/office/drawing/2014/main" id="{1ACF98AA-4FAD-61EA-960A-9FCB5E835CDA}"/>
+                <a16:creationId xmlns:a16="http://schemas.microsoft.com/office/drawing/2014/main" id="{3728FE1B-1B8C-5DD4-F6E6-52AED08267FB}"/>
               </a:ext>
             </a:extLst>
           </p:cNvPr>
@@ -1434,7 +1434,7 @@
           <p:cNvPr id="7" name="灯片编号占位符 6">
             <a:extLst>
               <a:ext uri="{FF2B5EF4-FFF2-40B4-BE49-F238E27FC236}">
-                <a16:creationId xmlns:a16="http://schemas.microsoft.com/office/drawing/2014/main" id="{B1F8C531-8DC9-931D-134E-1FBD98D02A65}"/>
+                <a16:creationId xmlns:a16="http://schemas.microsoft.com/office/drawing/2014/main" id="{3F4C76C1-3D73-241C-7BD6-D1563C25E7DB}"/>
               </a:ext>
             </a:extLst>
           </p:cNvPr>
@@ -1450,7 +1450,7 @@
           <a:bodyPr/>
           <a:lstStyle/>
           <a:p>
-            <a:fld id="{263C6929-5FC8-4E07-BDB6-AF084FBCCB10}" type="slidenum">
+            <a:fld id="{964E040D-A0FD-44D6-9E41-3765BD2F74EA}" type="slidenum">
               <a:rPr lang="zh-CN" altLang="en-US" smtClean="0"/>
               <a:t>‹#›</a:t>
             </a:fld>
@@ -1461,7 +1461,7 @@
     </p:spTree>
     <p:extLst>
       <p:ext uri="{BB962C8B-B14F-4D97-AF65-F5344CB8AC3E}">
-        <p14:creationId xmlns:p14="http://schemas.microsoft.com/office/powerpoint/2010/main" val="2247012422"/>
+        <p14:creationId xmlns:p14="http://schemas.microsoft.com/office/powerpoint/2010/main" val="930439562"/>
       </p:ext>
     </p:extLst>
   </p:cSld>
@@ -1493,7 +1493,7 @@
           <p:cNvPr id="2" name="标题 1">
             <a:extLst>
               <a:ext uri="{FF2B5EF4-FFF2-40B4-BE49-F238E27FC236}">
-                <a16:creationId xmlns:a16="http://schemas.microsoft.com/office/drawing/2014/main" id="{3F9C6489-44B5-8D83-DCB0-F46DF8668C21}"/>
+                <a16:creationId xmlns:a16="http://schemas.microsoft.com/office/drawing/2014/main" id="{CA11108A-16F4-F264-F338-45A45F8C4261}"/>
               </a:ext>
             </a:extLst>
           </p:cNvPr>
@@ -1526,7 +1526,7 @@
           <p:cNvPr id="3" name="文本占位符 2">
             <a:extLst>
               <a:ext uri="{FF2B5EF4-FFF2-40B4-BE49-F238E27FC236}">
-                <a16:creationId xmlns:a16="http://schemas.microsoft.com/office/drawing/2014/main" id="{6DA39191-3C18-B340-90BB-79EC528AB17E}"/>
+                <a16:creationId xmlns:a16="http://schemas.microsoft.com/office/drawing/2014/main" id="{2B4C4418-A277-5C30-5A3A-DC1E4020DEC1}"/>
               </a:ext>
             </a:extLst>
           </p:cNvPr>
@@ -1597,7 +1597,7 @@
           <p:cNvPr id="4" name="内容占位符 3">
             <a:extLst>
               <a:ext uri="{FF2B5EF4-FFF2-40B4-BE49-F238E27FC236}">
-                <a16:creationId xmlns:a16="http://schemas.microsoft.com/office/drawing/2014/main" id="{FD1DBED2-79A8-F8BF-A9DD-87E252A04436}"/>
+                <a16:creationId xmlns:a16="http://schemas.microsoft.com/office/drawing/2014/main" id="{87CB0FCC-6871-2F65-5238-E4C8923ABD4C}"/>
               </a:ext>
             </a:extLst>
           </p:cNvPr>
@@ -1659,7 +1659,7 @@
           <p:cNvPr id="5" name="文本占位符 4">
             <a:extLst>
               <a:ext uri="{FF2B5EF4-FFF2-40B4-BE49-F238E27FC236}">
-                <a16:creationId xmlns:a16="http://schemas.microsoft.com/office/drawing/2014/main" id="{ABFF8C0F-1AB8-B3E6-F8B2-F53E750FAB88}"/>
+                <a16:creationId xmlns:a16="http://schemas.microsoft.com/office/drawing/2014/main" id="{2087BDD4-D3BF-4B33-1F39-E8736F5E9E0F}"/>
               </a:ext>
             </a:extLst>
           </p:cNvPr>
@@ -1730,7 +1730,7 @@
           <p:cNvPr id="6" name="内容占位符 5">
             <a:extLst>
               <a:ext uri="{FF2B5EF4-FFF2-40B4-BE49-F238E27FC236}">
-                <a16:creationId xmlns:a16="http://schemas.microsoft.com/office/drawing/2014/main" id="{00C69DD5-3B78-720A-3452-8ADEBC457F31}"/>
+                <a16:creationId xmlns:a16="http://schemas.microsoft.com/office/drawing/2014/main" id="{4E497DF1-44C8-EBD5-D4D5-20023BA1BADC}"/>
               </a:ext>
             </a:extLst>
           </p:cNvPr>
@@ -1792,7 +1792,7 @@
           <p:cNvPr id="7" name="日期占位符 6">
             <a:extLst>
               <a:ext uri="{FF2B5EF4-FFF2-40B4-BE49-F238E27FC236}">
-                <a16:creationId xmlns:a16="http://schemas.microsoft.com/office/drawing/2014/main" id="{00388E1E-F6BB-8992-EF2A-EC0F3CC8844D}"/>
+                <a16:creationId xmlns:a16="http://schemas.microsoft.com/office/drawing/2014/main" id="{67D51B74-C2A2-2381-25B1-7091D3EC40BF}"/>
               </a:ext>
             </a:extLst>
           </p:cNvPr>
@@ -1808,7 +1808,7 @@
           <a:bodyPr/>
           <a:lstStyle/>
           <a:p>
-            <a:fld id="{F40AE34B-E9DF-409F-8607-26FAE7E26A7D}" type="datetimeFigureOut">
+            <a:fld id="{17746BA5-C1A5-4994-A737-8123780BFE4B}" type="datetimeFigureOut">
               <a:rPr lang="zh-CN" altLang="en-US" smtClean="0"/>
               <a:t>2024/3/10</a:t>
             </a:fld>
@@ -1821,7 +1821,7 @@
           <p:cNvPr id="8" name="页脚占位符 7">
             <a:extLst>
               <a:ext uri="{FF2B5EF4-FFF2-40B4-BE49-F238E27FC236}">
-                <a16:creationId xmlns:a16="http://schemas.microsoft.com/office/drawing/2014/main" id="{2C25814C-819A-FDBE-EFC5-A3FA373C2D26}"/>
+                <a16:creationId xmlns:a16="http://schemas.microsoft.com/office/drawing/2014/main" id="{175FA8C2-3FFF-207F-E480-00DD048C5008}"/>
               </a:ext>
             </a:extLst>
           </p:cNvPr>
@@ -1846,7 +1846,7 @@
           <p:cNvPr id="9" name="灯片编号占位符 8">
             <a:extLst>
               <a:ext uri="{FF2B5EF4-FFF2-40B4-BE49-F238E27FC236}">
-                <a16:creationId xmlns:a16="http://schemas.microsoft.com/office/drawing/2014/main" id="{703450CB-D21F-ACBE-C8C8-6D53D5444853}"/>
+                <a16:creationId xmlns:a16="http://schemas.microsoft.com/office/drawing/2014/main" id="{028EFE20-53A4-CA0D-9796-F2AAD4C68BC3}"/>
               </a:ext>
             </a:extLst>
           </p:cNvPr>
@@ -1862,7 +1862,7 @@
           <a:bodyPr/>
           <a:lstStyle/>
           <a:p>
-            <a:fld id="{263C6929-5FC8-4E07-BDB6-AF084FBCCB10}" type="slidenum">
+            <a:fld id="{964E040D-A0FD-44D6-9E41-3765BD2F74EA}" type="slidenum">
               <a:rPr lang="zh-CN" altLang="en-US" smtClean="0"/>
               <a:t>‹#›</a:t>
             </a:fld>
@@ -1873,7 +1873,7 @@
     </p:spTree>
     <p:extLst>
       <p:ext uri="{BB962C8B-B14F-4D97-AF65-F5344CB8AC3E}">
-        <p14:creationId xmlns:p14="http://schemas.microsoft.com/office/powerpoint/2010/main" val="1123070563"/>
+        <p14:creationId xmlns:p14="http://schemas.microsoft.com/office/powerpoint/2010/main" val="1775718293"/>
       </p:ext>
     </p:extLst>
   </p:cSld>
@@ -1905,7 +1905,7 @@
           <p:cNvPr id="2" name="标题 1">
             <a:extLst>
               <a:ext uri="{FF2B5EF4-FFF2-40B4-BE49-F238E27FC236}">
-                <a16:creationId xmlns:a16="http://schemas.microsoft.com/office/drawing/2014/main" id="{3AC0A3BC-905E-D892-5F66-822935877A64}"/>
+                <a16:creationId xmlns:a16="http://schemas.microsoft.com/office/drawing/2014/main" id="{E0F83FA8-2758-A179-AFEF-79F335235A44}"/>
               </a:ext>
             </a:extLst>
           </p:cNvPr>
@@ -1933,7 +1933,7 @@
           <p:cNvPr id="3" name="日期占位符 2">
             <a:extLst>
               <a:ext uri="{FF2B5EF4-FFF2-40B4-BE49-F238E27FC236}">
-                <a16:creationId xmlns:a16="http://schemas.microsoft.com/office/drawing/2014/main" id="{B13EFBEC-5C12-3B99-080F-1DB20A299322}"/>
+                <a16:creationId xmlns:a16="http://schemas.microsoft.com/office/drawing/2014/main" id="{C4735E1A-0D40-8225-282F-28BB9685CFED}"/>
               </a:ext>
             </a:extLst>
           </p:cNvPr>
@@ -1949,7 +1949,7 @@
           <a:bodyPr/>
           <a:lstStyle/>
           <a:p>
-            <a:fld id="{F40AE34B-E9DF-409F-8607-26FAE7E26A7D}" type="datetimeFigureOut">
+            <a:fld id="{17746BA5-C1A5-4994-A737-8123780BFE4B}" type="datetimeFigureOut">
               <a:rPr lang="zh-CN" altLang="en-US" smtClean="0"/>
               <a:t>2024/3/10</a:t>
             </a:fld>
@@ -1962,7 +1962,7 @@
           <p:cNvPr id="4" name="页脚占位符 3">
             <a:extLst>
               <a:ext uri="{FF2B5EF4-FFF2-40B4-BE49-F238E27FC236}">
-                <a16:creationId xmlns:a16="http://schemas.microsoft.com/office/drawing/2014/main" id="{042704AB-617A-D41D-9443-8376F656F5B8}"/>
+                <a16:creationId xmlns:a16="http://schemas.microsoft.com/office/drawing/2014/main" id="{A87F6AB3-E8C3-E843-2906-79046E1C3F80}"/>
               </a:ext>
             </a:extLst>
           </p:cNvPr>
@@ -1987,7 +1987,7 @@
           <p:cNvPr id="5" name="灯片编号占位符 4">
             <a:extLst>
               <a:ext uri="{FF2B5EF4-FFF2-40B4-BE49-F238E27FC236}">
-                <a16:creationId xmlns:a16="http://schemas.microsoft.com/office/drawing/2014/main" id="{B7337D78-3E1C-F337-F06E-7461F8D35EBD}"/>
+                <a16:creationId xmlns:a16="http://schemas.microsoft.com/office/drawing/2014/main" id="{05D64641-A894-13E4-FDA8-93AF924C67DB}"/>
               </a:ext>
             </a:extLst>
           </p:cNvPr>
@@ -2003,7 +2003,7 @@
           <a:bodyPr/>
           <a:lstStyle/>
           <a:p>
-            <a:fld id="{263C6929-5FC8-4E07-BDB6-AF084FBCCB10}" type="slidenum">
+            <a:fld id="{964E040D-A0FD-44D6-9E41-3765BD2F74EA}" type="slidenum">
               <a:rPr lang="zh-CN" altLang="en-US" smtClean="0"/>
               <a:t>‹#›</a:t>
             </a:fld>
@@ -2014,7 +2014,7 @@
     </p:spTree>
     <p:extLst>
       <p:ext uri="{BB962C8B-B14F-4D97-AF65-F5344CB8AC3E}">
-        <p14:creationId xmlns:p14="http://schemas.microsoft.com/office/powerpoint/2010/main" val="1293875601"/>
+        <p14:creationId xmlns:p14="http://schemas.microsoft.com/office/powerpoint/2010/main" val="3700717666"/>
       </p:ext>
     </p:extLst>
   </p:cSld>
@@ -2046,7 +2046,7 @@
           <p:cNvPr id="2" name="日期占位符 1">
             <a:extLst>
               <a:ext uri="{FF2B5EF4-FFF2-40B4-BE49-F238E27FC236}">
-                <a16:creationId xmlns:a16="http://schemas.microsoft.com/office/drawing/2014/main" id="{46D224AB-CBDC-1AAD-3C27-C413526DD257}"/>
+                <a16:creationId xmlns:a16="http://schemas.microsoft.com/office/drawing/2014/main" id="{C1A9378C-4D93-68BB-E5E3-16CF87FA9ED2}"/>
               </a:ext>
             </a:extLst>
           </p:cNvPr>
@@ -2062,7 +2062,7 @@
           <a:bodyPr/>
           <a:lstStyle/>
           <a:p>
-            <a:fld id="{F40AE34B-E9DF-409F-8607-26FAE7E26A7D}" type="datetimeFigureOut">
+            <a:fld id="{17746BA5-C1A5-4994-A737-8123780BFE4B}" type="datetimeFigureOut">
               <a:rPr lang="zh-CN" altLang="en-US" smtClean="0"/>
               <a:t>2024/3/10</a:t>
             </a:fld>
@@ -2075,7 +2075,7 @@
           <p:cNvPr id="3" name="页脚占位符 2">
             <a:extLst>
               <a:ext uri="{FF2B5EF4-FFF2-40B4-BE49-F238E27FC236}">
-                <a16:creationId xmlns:a16="http://schemas.microsoft.com/office/drawing/2014/main" id="{4EFDDAF8-9F21-E80C-6036-88E009843208}"/>
+                <a16:creationId xmlns:a16="http://schemas.microsoft.com/office/drawing/2014/main" id="{13E3D819-33E4-0F36-C86D-1AE9470E1549}"/>
               </a:ext>
             </a:extLst>
           </p:cNvPr>
@@ -2100,7 +2100,7 @@
           <p:cNvPr id="4" name="灯片编号占位符 3">
             <a:extLst>
               <a:ext uri="{FF2B5EF4-FFF2-40B4-BE49-F238E27FC236}">
-                <a16:creationId xmlns:a16="http://schemas.microsoft.com/office/drawing/2014/main" id="{C91864E6-D0CB-45F8-265C-4AEF8521481F}"/>
+                <a16:creationId xmlns:a16="http://schemas.microsoft.com/office/drawing/2014/main" id="{1132D40C-EA9C-F4E8-AA59-CECFDC7840DC}"/>
               </a:ext>
             </a:extLst>
           </p:cNvPr>
@@ -2116,7 +2116,7 @@
           <a:bodyPr/>
           <a:lstStyle/>
           <a:p>
-            <a:fld id="{263C6929-5FC8-4E07-BDB6-AF084FBCCB10}" type="slidenum">
+            <a:fld id="{964E040D-A0FD-44D6-9E41-3765BD2F74EA}" type="slidenum">
               <a:rPr lang="zh-CN" altLang="en-US" smtClean="0"/>
               <a:t>‹#›</a:t>
             </a:fld>
@@ -2127,7 +2127,7 @@
     </p:spTree>
     <p:extLst>
       <p:ext uri="{BB962C8B-B14F-4D97-AF65-F5344CB8AC3E}">
-        <p14:creationId xmlns:p14="http://schemas.microsoft.com/office/powerpoint/2010/main" val="1099695744"/>
+        <p14:creationId xmlns:p14="http://schemas.microsoft.com/office/powerpoint/2010/main" val="589981518"/>
       </p:ext>
     </p:extLst>
   </p:cSld>
@@ -2159,7 +2159,7 @@
           <p:cNvPr id="2" name="标题 1">
             <a:extLst>
               <a:ext uri="{FF2B5EF4-FFF2-40B4-BE49-F238E27FC236}">
-                <a16:creationId xmlns:a16="http://schemas.microsoft.com/office/drawing/2014/main" id="{50A28C9C-D9A4-D681-5480-919299F914D2}"/>
+                <a16:creationId xmlns:a16="http://schemas.microsoft.com/office/drawing/2014/main" id="{45DC932C-CA3C-EC9D-D15F-276550E6C6DA}"/>
               </a:ext>
             </a:extLst>
           </p:cNvPr>
@@ -2196,7 +2196,7 @@
           <p:cNvPr id="3" name="内容占位符 2">
             <a:extLst>
               <a:ext uri="{FF2B5EF4-FFF2-40B4-BE49-F238E27FC236}">
-                <a16:creationId xmlns:a16="http://schemas.microsoft.com/office/drawing/2014/main" id="{235BFF0A-92DA-E5DE-7123-65BAFDEB8F9D}"/>
+                <a16:creationId xmlns:a16="http://schemas.microsoft.com/office/drawing/2014/main" id="{56643D72-56EC-35E2-568E-FA63E749F7D9}"/>
               </a:ext>
             </a:extLst>
           </p:cNvPr>
@@ -2286,7 +2286,7 @@
           <p:cNvPr id="4" name="文本占位符 3">
             <a:extLst>
               <a:ext uri="{FF2B5EF4-FFF2-40B4-BE49-F238E27FC236}">
-                <a16:creationId xmlns:a16="http://schemas.microsoft.com/office/drawing/2014/main" id="{D5A05273-7A74-44D3-2E70-65EF60983BF1}"/>
+                <a16:creationId xmlns:a16="http://schemas.microsoft.com/office/drawing/2014/main" id="{52BAEFF0-E5C9-AF8F-69AC-29C08CB58955}"/>
               </a:ext>
             </a:extLst>
           </p:cNvPr>
@@ -2357,7 +2357,7 @@
           <p:cNvPr id="5" name="日期占位符 4">
             <a:extLst>
               <a:ext uri="{FF2B5EF4-FFF2-40B4-BE49-F238E27FC236}">
-                <a16:creationId xmlns:a16="http://schemas.microsoft.com/office/drawing/2014/main" id="{C8FCFE5A-E570-82FB-771A-D1D04FF0FDE9}"/>
+                <a16:creationId xmlns:a16="http://schemas.microsoft.com/office/drawing/2014/main" id="{5C28A31C-7508-AEA8-8A3C-91AF6336B2EE}"/>
               </a:ext>
             </a:extLst>
           </p:cNvPr>
@@ -2373,7 +2373,7 @@
           <a:bodyPr/>
           <a:lstStyle/>
           <a:p>
-            <a:fld id="{F40AE34B-E9DF-409F-8607-26FAE7E26A7D}" type="datetimeFigureOut">
+            <a:fld id="{17746BA5-C1A5-4994-A737-8123780BFE4B}" type="datetimeFigureOut">
               <a:rPr lang="zh-CN" altLang="en-US" smtClean="0"/>
               <a:t>2024/3/10</a:t>
             </a:fld>
@@ -2386,7 +2386,7 @@
           <p:cNvPr id="6" name="页脚占位符 5">
             <a:extLst>
               <a:ext uri="{FF2B5EF4-FFF2-40B4-BE49-F238E27FC236}">
-                <a16:creationId xmlns:a16="http://schemas.microsoft.com/office/drawing/2014/main" id="{75CCE861-1B96-06EE-C96A-3BF3B5D7BD8B}"/>
+                <a16:creationId xmlns:a16="http://schemas.microsoft.com/office/drawing/2014/main" id="{9B71E927-7D27-6AC7-AC7A-96AC85CBC7DB}"/>
               </a:ext>
             </a:extLst>
           </p:cNvPr>
@@ -2411,7 +2411,7 @@
           <p:cNvPr id="7" name="灯片编号占位符 6">
             <a:extLst>
               <a:ext uri="{FF2B5EF4-FFF2-40B4-BE49-F238E27FC236}">
-                <a16:creationId xmlns:a16="http://schemas.microsoft.com/office/drawing/2014/main" id="{0BC260E3-06FD-968F-2D77-57F344234128}"/>
+                <a16:creationId xmlns:a16="http://schemas.microsoft.com/office/drawing/2014/main" id="{55E44AA4-7F1A-8714-FEF9-B82EAAF78C86}"/>
               </a:ext>
             </a:extLst>
           </p:cNvPr>
@@ -2427,7 +2427,7 @@
           <a:bodyPr/>
           <a:lstStyle/>
           <a:p>
-            <a:fld id="{263C6929-5FC8-4E07-BDB6-AF084FBCCB10}" type="slidenum">
+            <a:fld id="{964E040D-A0FD-44D6-9E41-3765BD2F74EA}" type="slidenum">
               <a:rPr lang="zh-CN" altLang="en-US" smtClean="0"/>
               <a:t>‹#›</a:t>
             </a:fld>
@@ -2438,7 +2438,7 @@
     </p:spTree>
     <p:extLst>
       <p:ext uri="{BB962C8B-B14F-4D97-AF65-F5344CB8AC3E}">
-        <p14:creationId xmlns:p14="http://schemas.microsoft.com/office/powerpoint/2010/main" val="1773747729"/>
+        <p14:creationId xmlns:p14="http://schemas.microsoft.com/office/powerpoint/2010/main" val="2719843546"/>
       </p:ext>
     </p:extLst>
   </p:cSld>
@@ -2470,7 +2470,7 @@
           <p:cNvPr id="2" name="标题 1">
             <a:extLst>
               <a:ext uri="{FF2B5EF4-FFF2-40B4-BE49-F238E27FC236}">
-                <a16:creationId xmlns:a16="http://schemas.microsoft.com/office/drawing/2014/main" id="{90F28DB2-A850-4906-4641-FE198EDBAF14}"/>
+                <a16:creationId xmlns:a16="http://schemas.microsoft.com/office/drawing/2014/main" id="{E5CCD3D6-AAB7-3BC4-F6D0-D046F38660C0}"/>
               </a:ext>
             </a:extLst>
           </p:cNvPr>
@@ -2507,7 +2507,7 @@
           <p:cNvPr id="3" name="图片占位符 2">
             <a:extLst>
               <a:ext uri="{FF2B5EF4-FFF2-40B4-BE49-F238E27FC236}">
-                <a16:creationId xmlns:a16="http://schemas.microsoft.com/office/drawing/2014/main" id="{B40F0147-10E0-2095-0434-D7F16AEA9D12}"/>
+                <a16:creationId xmlns:a16="http://schemas.microsoft.com/office/drawing/2014/main" id="{E1A471FE-6242-1BEA-B76F-C4B9C1092681}"/>
               </a:ext>
             </a:extLst>
           </p:cNvPr>
@@ -2574,7 +2574,7 @@
           <p:cNvPr id="4" name="文本占位符 3">
             <a:extLst>
               <a:ext uri="{FF2B5EF4-FFF2-40B4-BE49-F238E27FC236}">
-                <a16:creationId xmlns:a16="http://schemas.microsoft.com/office/drawing/2014/main" id="{5175A931-2BB6-8049-4C88-1C504AB12F7B}"/>
+                <a16:creationId xmlns:a16="http://schemas.microsoft.com/office/drawing/2014/main" id="{A3787614-BF3B-6798-BD86-DCBC32BD617E}"/>
               </a:ext>
             </a:extLst>
           </p:cNvPr>
@@ -2645,7 +2645,7 @@
           <p:cNvPr id="5" name="日期占位符 4">
             <a:extLst>
               <a:ext uri="{FF2B5EF4-FFF2-40B4-BE49-F238E27FC236}">
-                <a16:creationId xmlns:a16="http://schemas.microsoft.com/office/drawing/2014/main" id="{1F3416CA-068C-19BD-9E78-2E21BD2C4BEA}"/>
+                <a16:creationId xmlns:a16="http://schemas.microsoft.com/office/drawing/2014/main" id="{32F890A3-0FB2-2A7B-1808-6A25F92E804C}"/>
               </a:ext>
             </a:extLst>
           </p:cNvPr>
@@ -2661,7 +2661,7 @@
           <a:bodyPr/>
           <a:lstStyle/>
           <a:p>
-            <a:fld id="{F40AE34B-E9DF-409F-8607-26FAE7E26A7D}" type="datetimeFigureOut">
+            <a:fld id="{17746BA5-C1A5-4994-A737-8123780BFE4B}" type="datetimeFigureOut">
               <a:rPr lang="zh-CN" altLang="en-US" smtClean="0"/>
               <a:t>2024/3/10</a:t>
             </a:fld>
@@ -2674,7 +2674,7 @@
           <p:cNvPr id="6" name="页脚占位符 5">
             <a:extLst>
               <a:ext uri="{FF2B5EF4-FFF2-40B4-BE49-F238E27FC236}">
-                <a16:creationId xmlns:a16="http://schemas.microsoft.com/office/drawing/2014/main" id="{0B074D29-BD79-E38E-B24E-0F74E0F26CCA}"/>
+                <a16:creationId xmlns:a16="http://schemas.microsoft.com/office/drawing/2014/main" id="{328C4DA5-8CC3-5AB1-7490-EF72EB74E88B}"/>
               </a:ext>
             </a:extLst>
           </p:cNvPr>
@@ -2699,7 +2699,7 @@
           <p:cNvPr id="7" name="灯片编号占位符 6">
             <a:extLst>
               <a:ext uri="{FF2B5EF4-FFF2-40B4-BE49-F238E27FC236}">
-                <a16:creationId xmlns:a16="http://schemas.microsoft.com/office/drawing/2014/main" id="{2CF200D7-7BE3-48B3-FC63-CD9632D73D55}"/>
+                <a16:creationId xmlns:a16="http://schemas.microsoft.com/office/drawing/2014/main" id="{1F35FCF2-0AA9-0352-CB6B-A47D3E778D67}"/>
               </a:ext>
             </a:extLst>
           </p:cNvPr>
@@ -2715,7 +2715,7 @@
           <a:bodyPr/>
           <a:lstStyle/>
           <a:p>
-            <a:fld id="{263C6929-5FC8-4E07-BDB6-AF084FBCCB10}" type="slidenum">
+            <a:fld id="{964E040D-A0FD-44D6-9E41-3765BD2F74EA}" type="slidenum">
               <a:rPr lang="zh-CN" altLang="en-US" smtClean="0"/>
               <a:t>‹#›</a:t>
             </a:fld>
@@ -2726,7 +2726,7 @@
     </p:spTree>
     <p:extLst>
       <p:ext uri="{BB962C8B-B14F-4D97-AF65-F5344CB8AC3E}">
-        <p14:creationId xmlns:p14="http://schemas.microsoft.com/office/powerpoint/2010/main" val="163128236"/>
+        <p14:creationId xmlns:p14="http://schemas.microsoft.com/office/powerpoint/2010/main" val="3290463887"/>
       </p:ext>
     </p:extLst>
   </p:cSld>
@@ -2763,7 +2763,7 @@
           <p:cNvPr id="2" name="标题占位符 1">
             <a:extLst>
               <a:ext uri="{FF2B5EF4-FFF2-40B4-BE49-F238E27FC236}">
-                <a16:creationId xmlns:a16="http://schemas.microsoft.com/office/drawing/2014/main" id="{C622E8AF-E52D-EDA3-83D4-E1FAC8D5127B}"/>
+                <a16:creationId xmlns:a16="http://schemas.microsoft.com/office/drawing/2014/main" id="{E03DA91A-8B51-812C-A473-84B3B1D2223A}"/>
               </a:ext>
             </a:extLst>
           </p:cNvPr>
@@ -2801,7 +2801,7 @@
           <p:cNvPr id="3" name="文本占位符 2">
             <a:extLst>
               <a:ext uri="{FF2B5EF4-FFF2-40B4-BE49-F238E27FC236}">
-                <a16:creationId xmlns:a16="http://schemas.microsoft.com/office/drawing/2014/main" id="{A329E9C8-9EA7-7462-AAF9-EFFC95AB05E0}"/>
+                <a16:creationId xmlns:a16="http://schemas.microsoft.com/office/drawing/2014/main" id="{E61D09AF-BA54-047C-33F8-6EEE3E3E4375}"/>
               </a:ext>
             </a:extLst>
           </p:cNvPr>
@@ -2868,7 +2868,7 @@
           <p:cNvPr id="4" name="日期占位符 3">
             <a:extLst>
               <a:ext uri="{FF2B5EF4-FFF2-40B4-BE49-F238E27FC236}">
-                <a16:creationId xmlns:a16="http://schemas.microsoft.com/office/drawing/2014/main" id="{7CB232C6-81FB-9449-22D4-57E8EAE2D67B}"/>
+                <a16:creationId xmlns:a16="http://schemas.microsoft.com/office/drawing/2014/main" id="{CFB0495B-1EC9-4A4A-9FED-9491931A0D05}"/>
               </a:ext>
             </a:extLst>
           </p:cNvPr>
@@ -2902,7 +2902,7 @@
             </a:lvl1pPr>
           </a:lstStyle>
           <a:p>
-            <a:fld id="{F40AE34B-E9DF-409F-8607-26FAE7E26A7D}" type="datetimeFigureOut">
+            <a:fld id="{17746BA5-C1A5-4994-A737-8123780BFE4B}" type="datetimeFigureOut">
               <a:rPr lang="zh-CN" altLang="en-US" smtClean="0"/>
               <a:t>2024/3/10</a:t>
             </a:fld>
@@ -2915,7 +2915,7 @@
           <p:cNvPr id="5" name="页脚占位符 4">
             <a:extLst>
               <a:ext uri="{FF2B5EF4-FFF2-40B4-BE49-F238E27FC236}">
-                <a16:creationId xmlns:a16="http://schemas.microsoft.com/office/drawing/2014/main" id="{EF05A02F-0097-F84C-CB54-24E292E95269}"/>
+                <a16:creationId xmlns:a16="http://schemas.microsoft.com/office/drawing/2014/main" id="{07DBC4F6-A2C6-B213-04D0-B597064B3899}"/>
               </a:ext>
             </a:extLst>
           </p:cNvPr>
@@ -2958,7 +2958,7 @@
           <p:cNvPr id="6" name="灯片编号占位符 5">
             <a:extLst>
               <a:ext uri="{FF2B5EF4-FFF2-40B4-BE49-F238E27FC236}">
-                <a16:creationId xmlns:a16="http://schemas.microsoft.com/office/drawing/2014/main" id="{F823A585-B962-9609-558B-F094AC2D3A6B}"/>
+                <a16:creationId xmlns:a16="http://schemas.microsoft.com/office/drawing/2014/main" id="{7D36E35C-5BAA-0FE3-88A5-86EAD7A9826D}"/>
               </a:ext>
             </a:extLst>
           </p:cNvPr>
@@ -2992,7 +2992,7 @@
             </a:lvl1pPr>
           </a:lstStyle>
           <a:p>
-            <a:fld id="{263C6929-5FC8-4E07-BDB6-AF084FBCCB10}" type="slidenum">
+            <a:fld id="{964E040D-A0FD-44D6-9E41-3765BD2F74EA}" type="slidenum">
               <a:rPr lang="zh-CN" altLang="en-US" smtClean="0"/>
               <a:t>‹#›</a:t>
             </a:fld>
@@ -3003,7 +3003,7 @@
     </p:spTree>
     <p:extLst>
       <p:ext uri="{BB962C8B-B14F-4D97-AF65-F5344CB8AC3E}">
-        <p14:creationId xmlns:p14="http://schemas.microsoft.com/office/powerpoint/2010/main" val="2140213918"/>
+        <p14:creationId xmlns:p14="http://schemas.microsoft.com/office/powerpoint/2010/main" val="2368539928"/>
       </p:ext>
     </p:extLst>
   </p:cSld>
